--- a/Colegio911/Doc/ConceptNote2.pptx
+++ b/Colegio911/Doc/ConceptNote2.pptx
@@ -22015,7 +22015,7 @@
           <a:p>
             <a:fld id="{B283AFE7-1F4E-47F8-A796-BAC544F260A8}" type="datetimeFigureOut">
               <a:rPr lang="en-US" smtClean="0"/>
-              <a:t>15-Mar-19</a:t>
+              <a:t>6/5/2019</a:t>
             </a:fld>
             <a:endParaRPr lang="en-US"/>
           </a:p>
@@ -22624,7 +22624,7 @@
           <a:p>
             <a:fld id="{32150407-8A4A-450D-B498-CFE4DAE8BDAB}" type="datetimeFigureOut">
               <a:rPr lang="pt-PT" smtClean="0"/>
-              <a:t>15/03/2019</a:t>
+              <a:t>05/06/2019</a:t>
             </a:fld>
             <a:endParaRPr lang="pt-PT"/>
           </a:p>
@@ -22832,7 +22832,7 @@
           <a:p>
             <a:fld id="{32150407-8A4A-450D-B498-CFE4DAE8BDAB}" type="datetimeFigureOut">
               <a:rPr lang="pt-PT" smtClean="0"/>
-              <a:t>15/03/2019</a:t>
+              <a:t>05/06/2019</a:t>
             </a:fld>
             <a:endParaRPr lang="pt-PT"/>
           </a:p>
@@ -23088,7 +23088,7 @@
           <a:p>
             <a:fld id="{32150407-8A4A-450D-B498-CFE4DAE8BDAB}" type="datetimeFigureOut">
               <a:rPr lang="pt-PT" smtClean="0"/>
-              <a:t>15/03/2019</a:t>
+              <a:t>05/06/2019</a:t>
             </a:fld>
             <a:endParaRPr lang="pt-PT"/>
           </a:p>
@@ -23262,7 +23262,7 @@
           <a:p>
             <a:fld id="{32150407-8A4A-450D-B498-CFE4DAE8BDAB}" type="datetimeFigureOut">
               <a:rPr lang="pt-PT" smtClean="0"/>
-              <a:t>15/03/2019</a:t>
+              <a:t>05/06/2019</a:t>
             </a:fld>
             <a:endParaRPr lang="pt-PT"/>
           </a:p>
@@ -23605,7 +23605,7 @@
           <a:p>
             <a:fld id="{32150407-8A4A-450D-B498-CFE4DAE8BDAB}" type="datetimeFigureOut">
               <a:rPr lang="pt-PT" smtClean="0"/>
-              <a:t>15/03/2019</a:t>
+              <a:t>05/06/2019</a:t>
             </a:fld>
             <a:endParaRPr lang="pt-PT"/>
           </a:p>
@@ -23880,7 +23880,7 @@
           <a:p>
             <a:fld id="{32150407-8A4A-450D-B498-CFE4DAE8BDAB}" type="datetimeFigureOut">
               <a:rPr lang="pt-PT" smtClean="0"/>
-              <a:t>15/03/2019</a:t>
+              <a:t>05/06/2019</a:t>
             </a:fld>
             <a:endParaRPr lang="pt-PT"/>
           </a:p>
@@ -24259,7 +24259,7 @@
           <a:p>
             <a:fld id="{32150407-8A4A-450D-B498-CFE4DAE8BDAB}" type="datetimeFigureOut">
               <a:rPr lang="pt-PT" smtClean="0"/>
-              <a:t>15/03/2019</a:t>
+              <a:t>05/06/2019</a:t>
             </a:fld>
             <a:endParaRPr lang="pt-PT"/>
           </a:p>
@@ -24377,7 +24377,7 @@
           <a:p>
             <a:fld id="{32150407-8A4A-450D-B498-CFE4DAE8BDAB}" type="datetimeFigureOut">
               <a:rPr lang="pt-PT" smtClean="0"/>
-              <a:t>15/03/2019</a:t>
+              <a:t>05/06/2019</a:t>
             </a:fld>
             <a:endParaRPr lang="pt-PT"/>
           </a:p>
@@ -24548,7 +24548,7 @@
           <a:p>
             <a:fld id="{32150407-8A4A-450D-B498-CFE4DAE8BDAB}" type="datetimeFigureOut">
               <a:rPr lang="pt-PT" smtClean="0"/>
-              <a:t>15/03/2019</a:t>
+              <a:t>05/06/2019</a:t>
             </a:fld>
             <a:endParaRPr lang="pt-PT"/>
           </a:p>
@@ -24902,7 +24902,7 @@
           <a:p>
             <a:fld id="{32150407-8A4A-450D-B498-CFE4DAE8BDAB}" type="datetimeFigureOut">
               <a:rPr lang="pt-PT" smtClean="0"/>
-              <a:t>15/03/2019</a:t>
+              <a:t>05/06/2019</a:t>
             </a:fld>
             <a:endParaRPr lang="pt-PT"/>
           </a:p>
@@ -25284,7 +25284,7 @@
           <a:p>
             <a:fld id="{32150407-8A4A-450D-B498-CFE4DAE8BDAB}" type="datetimeFigureOut">
               <a:rPr lang="pt-PT" smtClean="0"/>
-              <a:t>15/03/2019</a:t>
+              <a:t>05/06/2019</a:t>
             </a:fld>
             <a:endParaRPr lang="pt-PT"/>
           </a:p>
@@ -25571,7 +25571,7 @@
           <a:p>
             <a:fld id="{32150407-8A4A-450D-B498-CFE4DAE8BDAB}" type="datetimeFigureOut">
               <a:rPr lang="pt-PT" smtClean="0"/>
-              <a:t>15/03/2019</a:t>
+              <a:t>05/06/2019</a:t>
             </a:fld>
             <a:endParaRPr lang="pt-PT"/>
           </a:p>
@@ -26168,8 +26168,9 @@
             </a:pPr>
             <a:r>
               <a:rPr lang="pt-PT" sz="2800" dirty="0" smtClean="0"/>
-              <a:t>Langa, edson</a:t>
-            </a:r>
+              <a:t>Baloi, issaque</a:t>
+            </a:r>
+            <a:endParaRPr lang="pt-PT" sz="2800" dirty="0" smtClean="0"/>
           </a:p>
           <a:p>
             <a:pPr marL="285750" indent="-285750">
@@ -26178,11 +26179,7 @@
             </a:pPr>
             <a:r>
               <a:rPr lang="pt-PT" sz="2800" dirty="0" smtClean="0"/>
-              <a:t>Chobela, </a:t>
-            </a:r>
-            <a:r>
-              <a:rPr lang="pt-PT" sz="2800" dirty="0" smtClean="0"/>
-              <a:t>Amancio</a:t>
+              <a:t>Chobela, Amancio</a:t>
             </a:r>
           </a:p>
           <a:p>
@@ -26191,7 +26188,7 @@
               <a:buChar char="v"/>
             </a:pPr>
             <a:r>
-              <a:rPr lang="pt-PT" sz="2800" smtClean="0"/>
+              <a:rPr lang="pt-PT" sz="2800" dirty="0" smtClean="0"/>
               <a:t>Matavel, Anselmo</a:t>
             </a:r>
             <a:endParaRPr lang="en-US" sz="2800" dirty="0"/>
@@ -26271,15 +26268,33 @@
                                   </p:childTnLst>
                                 </p:cTn>
                               </p:par>
+                            </p:childTnLst>
+                          </p:cTn>
+                        </p:par>
+                      </p:childTnLst>
+                    </p:cTn>
+                  </p:par>
+                  <p:par>
+                    <p:cTn id="8" fill="hold">
+                      <p:stCondLst>
+                        <p:cond delay="indefinite"/>
+                      </p:stCondLst>
+                      <p:childTnLst>
+                        <p:par>
+                          <p:cTn id="9" fill="hold">
+                            <p:stCondLst>
+                              <p:cond delay="0"/>
+                            </p:stCondLst>
+                            <p:childTnLst>
                               <p:par>
-                                <p:cTn id="8" presetID="10" presetClass="entr" presetSubtype="0" fill="hold" nodeType="withEffect">
+                                <p:cTn id="10" presetID="10" presetClass="entr" presetSubtype="0" fill="hold" nodeType="clickEffect">
                                   <p:stCondLst>
                                     <p:cond delay="0"/>
                                   </p:stCondLst>
                                   <p:childTnLst>
                                     <p:set>
                                       <p:cBhvr>
-                                        <p:cTn id="9" dur="1" fill="hold">
+                                        <p:cTn id="11" dur="1" fill="hold">
                                           <p:stCondLst>
                                             <p:cond delay="0"/>
                                           </p:stCondLst>
@@ -26301,7 +26316,7 @@
                                     </p:set>
                                     <p:animEffect transition="in" filter="fade">
                                       <p:cBhvr>
-                                        <p:cTn id="10" dur="500"/>
+                                        <p:cTn id="12" dur="500"/>
                                         <p:tgtEl>
                                           <p:spTgt spid="3">
                                             <p:txEl>
@@ -26315,14 +26330,14 @@
                                 </p:cTn>
                               </p:par>
                               <p:par>
-                                <p:cTn id="11" presetID="10" presetClass="entr" presetSubtype="0" fill="hold" nodeType="withEffect">
+                                <p:cTn id="13" presetID="10" presetClass="entr" presetSubtype="0" fill="hold" nodeType="withEffect">
                                   <p:stCondLst>
                                     <p:cond delay="0"/>
                                   </p:stCondLst>
                                   <p:childTnLst>
                                     <p:set>
                                       <p:cBhvr>
-                                        <p:cTn id="12" dur="1" fill="hold">
+                                        <p:cTn id="14" dur="1" fill="hold">
                                           <p:stCondLst>
                                             <p:cond delay="0"/>
                                           </p:stCondLst>
@@ -26344,7 +26359,7 @@
                                     </p:set>
                                     <p:animEffect transition="in" filter="fade">
                                       <p:cBhvr>
-                                        <p:cTn id="13" dur="500"/>
+                                        <p:cTn id="15" dur="500"/>
                                         <p:tgtEl>
                                           <p:spTgt spid="3">
                                             <p:txEl>
@@ -26358,14 +26373,14 @@
                                 </p:cTn>
                               </p:par>
                               <p:par>
-                                <p:cTn id="14" presetID="10" presetClass="entr" presetSubtype="0" fill="hold" nodeType="withEffect">
+                                <p:cTn id="16" presetID="10" presetClass="entr" presetSubtype="0" fill="hold" nodeType="withEffect">
                                   <p:stCondLst>
                                     <p:cond delay="0"/>
                                   </p:stCondLst>
                                   <p:childTnLst>
                                     <p:set>
                                       <p:cBhvr>
-                                        <p:cTn id="15" dur="1" fill="hold">
+                                        <p:cTn id="17" dur="1" fill="hold">
                                           <p:stCondLst>
                                             <p:cond delay="0"/>
                                           </p:stCondLst>
@@ -26387,7 +26402,7 @@
                                     </p:set>
                                     <p:animEffect transition="in" filter="fade">
                                       <p:cBhvr>
-                                        <p:cTn id="16" dur="500"/>
+                                        <p:cTn id="18" dur="500"/>
                                         <p:tgtEl>
                                           <p:spTgt spid="3">
                                             <p:txEl>
